--- a/chapter17/ASE_17_People_Performance.pptx
+++ b/chapter17/ASE_17_People_Performance.pptx
@@ -166,13 +166,52 @@
 <file path=ppt/revisionInfo.xml><?xml version="1.0" encoding="utf-8"?>
 <p1510:revInfo xmlns:a="http://schemas.openxmlformats.org/drawingml/2006/main" xmlns:r="http://schemas.openxmlformats.org/officeDocument/2006/relationships" xmlns:p1510="http://schemas.microsoft.com/office/powerpoint/2015/10/main">
   <p1510:revLst>
-    <p1510:client id="{38676C1A-CF62-4DBE-B095-D63BA33FC8BE}" v="124" dt="2018-10-08T05:52:23.826"/>
+    <p1510:client id="{EA1161A4-2E24-49DF-9EF1-91EDFE592024}" v="3" dt="2019-09-04T08:00:59.479"/>
   </p1510:revLst>
 </p1510:revInfo>
 </file>
 
 <file path=ppt/changesInfos/changesInfo1.xml><?xml version="1.0" encoding="utf-8"?>
 <pc:chgInfo xmlns:a="http://schemas.openxmlformats.org/drawingml/2006/main" xmlns:r="http://schemas.openxmlformats.org/officeDocument/2006/relationships" xmlns:ac="http://schemas.microsoft.com/office/drawing/2013/main/command" xmlns:pc="http://schemas.microsoft.com/office/powerpoint/2013/main/command">
+  <pc:docChgLst>
+    <pc:chgData name="Xin Zou" userId="260b9726081dae15" providerId="LiveId" clId="{EA1161A4-2E24-49DF-9EF1-91EDFE592024}"/>
+    <pc:docChg chg="modSld">
+      <pc:chgData name="Xin Zou" userId="260b9726081dae15" providerId="LiveId" clId="{EA1161A4-2E24-49DF-9EF1-91EDFE592024}" dt="2019-09-04T08:00:59.479" v="20"/>
+      <pc:docMkLst>
+        <pc:docMk/>
+      </pc:docMkLst>
+      <pc:sldChg chg="modSp">
+        <pc:chgData name="Xin Zou" userId="260b9726081dae15" providerId="LiveId" clId="{EA1161A4-2E24-49DF-9EF1-91EDFE592024}" dt="2019-09-04T08:00:07.941" v="1" actId="20577"/>
+        <pc:sldMkLst>
+          <pc:docMk/>
+          <pc:sldMk cId="0" sldId="256"/>
+        </pc:sldMkLst>
+        <pc:spChg chg="mod">
+          <ac:chgData name="Xin Zou" userId="260b9726081dae15" providerId="LiveId" clId="{EA1161A4-2E24-49DF-9EF1-91EDFE592024}" dt="2019-09-04T08:00:07.941" v="1" actId="20577"/>
+          <ac:spMkLst>
+            <pc:docMk/>
+            <pc:sldMk cId="0" sldId="256"/>
+            <ac:spMk id="3" creationId="{00000000-0000-0000-0000-000000000000}"/>
+          </ac:spMkLst>
+        </pc:spChg>
+      </pc:sldChg>
+      <pc:sldChg chg="modSp">
+        <pc:chgData name="Xin Zou" userId="260b9726081dae15" providerId="LiveId" clId="{EA1161A4-2E24-49DF-9EF1-91EDFE592024}" dt="2019-09-04T08:00:59.479" v="20"/>
+        <pc:sldMkLst>
+          <pc:docMk/>
+          <pc:sldMk cId="3587831306" sldId="267"/>
+        </pc:sldMkLst>
+        <pc:spChg chg="mod">
+          <ac:chgData name="Xin Zou" userId="260b9726081dae15" providerId="LiveId" clId="{EA1161A4-2E24-49DF-9EF1-91EDFE592024}" dt="2019-09-04T08:00:59.479" v="20"/>
+          <ac:spMkLst>
+            <pc:docMk/>
+            <pc:sldMk cId="3587831306" sldId="267"/>
+            <ac:spMk id="3" creationId="{00000000-0000-0000-0000-000000000000}"/>
+          </ac:spMkLst>
+        </pc:spChg>
+      </pc:sldChg>
+    </pc:docChg>
+  </pc:docChgLst>
   <pc:docChgLst>
     <pc:chgData name="Xin Zou" userId="260b9726081dae15" providerId="LiveId" clId="{38676C1A-CF62-4DBE-B095-D63BA33FC8BE}"/>
     <pc:docChg chg="custSel mod addSld delSld modSld modMainMaster">
@@ -1175,7 +1214,7 @@
             <a:fld id="{F04650A2-B221-45B7-8BFD-302FFBB7179C}" type="datetimeFigureOut">
               <a:rPr lang="en-US" smtClean="0"/>
               <a:pPr/>
-              <a:t>10/7/2018</a:t>
+              <a:t>9/4/2019</a:t>
             </a:fld>
             <a:endParaRPr lang="en-US"/>
           </a:p>
@@ -2373,7 +2412,7 @@
           <a:p>
             <a:fld id="{48A87A34-81AB-432B-8DAE-1953F412C126}" type="datetimeFigureOut">
               <a:rPr lang="en-US" smtClean="0"/>
-              <a:t>10/7/2018</a:t>
+              <a:t>9/4/2019</a:t>
             </a:fld>
             <a:endParaRPr lang="en-US" dirty="0"/>
           </a:p>
@@ -2655,7 +2694,7 @@
             <a:fld id="{48A87A34-81AB-432B-8DAE-1953F412C126}" type="datetimeFigureOut">
               <a:rPr lang="en-US" smtClean="0"/>
               <a:pPr/>
-              <a:t>10/7/2018</a:t>
+              <a:t>9/4/2019</a:t>
             </a:fld>
             <a:endParaRPr lang="en-US" dirty="0"/>
           </a:p>
@@ -2849,7 +2888,7 @@
             <a:fld id="{48A87A34-81AB-432B-8DAE-1953F412C126}" type="datetimeFigureOut">
               <a:rPr lang="en-US" smtClean="0"/>
               <a:pPr/>
-              <a:t>10/7/2018</a:t>
+              <a:t>9/4/2019</a:t>
             </a:fld>
             <a:endParaRPr lang="en-US" dirty="0"/>
           </a:p>
@@ -3112,7 +3151,7 @@
             <a:fld id="{48A87A34-81AB-432B-8DAE-1953F412C126}" type="datetimeFigureOut">
               <a:rPr lang="en-US" smtClean="0"/>
               <a:pPr/>
-              <a:t>10/7/2018</a:t>
+              <a:t>9/4/2019</a:t>
             </a:fld>
             <a:endParaRPr lang="en-US" dirty="0"/>
           </a:p>
@@ -3540,7 +3579,7 @@
             <a:fld id="{48A87A34-81AB-432B-8DAE-1953F412C126}" type="datetimeFigureOut">
               <a:rPr lang="en-US" smtClean="0"/>
               <a:pPr/>
-              <a:t>10/7/2018</a:t>
+              <a:t>9/4/2019</a:t>
             </a:fld>
             <a:endParaRPr lang="en-US" dirty="0"/>
           </a:p>
@@ -4088,7 +4127,7 @@
             <a:fld id="{48A87A34-81AB-432B-8DAE-1953F412C126}" type="datetimeFigureOut">
               <a:rPr lang="en-US" smtClean="0"/>
               <a:pPr/>
-              <a:t>10/7/2018</a:t>
+              <a:t>9/4/2019</a:t>
             </a:fld>
             <a:endParaRPr lang="en-US" dirty="0"/>
           </a:p>
@@ -4921,7 +4960,7 @@
             <a:fld id="{48A87A34-81AB-432B-8DAE-1953F412C126}" type="datetimeFigureOut">
               <a:rPr lang="en-US" smtClean="0"/>
               <a:pPr/>
-              <a:t>10/7/2018</a:t>
+              <a:t>9/4/2019</a:t>
             </a:fld>
             <a:endParaRPr lang="en-US" dirty="0"/>
           </a:p>
@@ -5092,7 +5131,7 @@
           <a:p>
             <a:fld id="{48A87A34-81AB-432B-8DAE-1953F412C126}" type="datetimeFigureOut">
               <a:rPr lang="en-US" smtClean="0"/>
-              <a:t>10/7/2018</a:t>
+              <a:t>9/4/2019</a:t>
             </a:fld>
             <a:endParaRPr lang="en-US" dirty="0"/>
           </a:p>
@@ -5272,7 +5311,7 @@
           <a:p>
             <a:fld id="{48A87A34-81AB-432B-8DAE-1953F412C126}" type="datetimeFigureOut">
               <a:rPr lang="en-US" smtClean="0"/>
-              <a:t>10/7/2018</a:t>
+              <a:t>9/4/2019</a:t>
             </a:fld>
             <a:endParaRPr lang="en-US" dirty="0"/>
           </a:p>
@@ -5442,7 +5481,7 @@
           <a:p>
             <a:fld id="{48A87A34-81AB-432B-8DAE-1953F412C126}" type="datetimeFigureOut">
               <a:rPr lang="en-US" smtClean="0"/>
-              <a:t>10/7/2018</a:t>
+              <a:t>9/4/2019</a:t>
             </a:fld>
             <a:endParaRPr lang="en-US" dirty="0"/>
           </a:p>
@@ -5699,7 +5738,7 @@
           <a:p>
             <a:fld id="{48A87A34-81AB-432B-8DAE-1953F412C126}" type="datetimeFigureOut">
               <a:rPr lang="en-US" smtClean="0"/>
-              <a:t>10/7/2018</a:t>
+              <a:t>9/4/2019</a:t>
             </a:fld>
             <a:endParaRPr lang="en-US" dirty="0"/>
           </a:p>
@@ -5931,7 +5970,7 @@
           <a:p>
             <a:fld id="{48A87A34-81AB-432B-8DAE-1953F412C126}" type="datetimeFigureOut">
               <a:rPr lang="en-US" smtClean="0"/>
-              <a:t>10/7/2018</a:t>
+              <a:t>9/4/2019</a:t>
             </a:fld>
             <a:endParaRPr lang="en-US" dirty="0"/>
           </a:p>
@@ -6324,7 +6363,7 @@
           <a:p>
             <a:fld id="{48A87A34-81AB-432B-8DAE-1953F412C126}" type="datetimeFigureOut">
               <a:rPr lang="en-US" smtClean="0"/>
-              <a:t>10/7/2018</a:t>
+              <a:t>9/4/2019</a:t>
             </a:fld>
             <a:endParaRPr lang="en-US" dirty="0"/>
           </a:p>
@@ -6442,7 +6481,7 @@
           <a:p>
             <a:fld id="{48A87A34-81AB-432B-8DAE-1953F412C126}" type="datetimeFigureOut">
               <a:rPr lang="en-US" smtClean="0"/>
-              <a:t>10/7/2018</a:t>
+              <a:t>9/4/2019</a:t>
             </a:fld>
             <a:endParaRPr lang="en-US" dirty="0"/>
           </a:p>
@@ -6537,7 +6576,7 @@
           <a:p>
             <a:fld id="{48A87A34-81AB-432B-8DAE-1953F412C126}" type="datetimeFigureOut">
               <a:rPr lang="en-US" smtClean="0"/>
-              <a:t>10/7/2018</a:t>
+              <a:t>9/4/2019</a:t>
             </a:fld>
             <a:endParaRPr lang="en-US" dirty="0"/>
           </a:p>
@@ -6810,7 +6849,7 @@
           <a:p>
             <a:fld id="{48A87A34-81AB-432B-8DAE-1953F412C126}" type="datetimeFigureOut">
               <a:rPr lang="en-US" smtClean="0"/>
-              <a:t>10/7/2018</a:t>
+              <a:t>9/4/2019</a:t>
             </a:fld>
             <a:endParaRPr lang="en-US" dirty="0"/>
           </a:p>
@@ -7091,7 +7130,7 @@
           <a:p>
             <a:fld id="{48A87A34-81AB-432B-8DAE-1953F412C126}" type="datetimeFigureOut">
               <a:rPr lang="en-US" smtClean="0"/>
-              <a:t>10/7/2018</a:t>
+              <a:t>9/4/2019</a:t>
             </a:fld>
             <a:endParaRPr lang="en-US" dirty="0"/>
           </a:p>
@@ -7332,7 +7371,7 @@
             <a:fld id="{48A87A34-81AB-432B-8DAE-1953F412C126}" type="datetimeFigureOut">
               <a:rPr lang="en-US" smtClean="0"/>
               <a:pPr/>
-              <a:t>10/7/2018</a:t>
+              <a:t>9/4/2019</a:t>
             </a:fld>
             <a:endParaRPr lang="en-US" dirty="0"/>
           </a:p>
@@ -7967,7 +8006,7 @@
               <a:t>17 </a:t>
             </a:r>
             <a:r>
-              <a:rPr lang="zh-CN" altLang="en-US"/>
+              <a:rPr lang="zh-CN" altLang="en-US" dirty="0"/>
               <a:t>章</a:t>
             </a:r>
             <a:endParaRPr lang="en-US" dirty="0"/>
@@ -7975,7 +8014,7 @@
           <a:p>
             <a:r>
               <a:rPr lang="en-US" dirty="0"/>
-              <a:t>2018</a:t>
+              <a:t>2019</a:t>
             </a:r>
           </a:p>
         </p:txBody>
@@ -12565,7 +12604,6 @@
         <a:blipFill dpi="0" rotWithShape="1">
           <a:blip r:embed="rId2">
             <a:lum/>
-            <a:extLst/>
           </a:blip>
           <a:srcRect/>
           <a:stretch>
@@ -13049,7 +13087,6 @@
         <a:blipFill dpi="0" rotWithShape="1">
           <a:blip r:embed="rId2">
             <a:lum/>
-            <a:extLst/>
           </a:blip>
           <a:srcRect/>
           <a:stretch>
@@ -13629,6 +13666,14 @@
             <a:r>
               <a:rPr lang="zh-CN" altLang="en-US" b="1" dirty="0"/>
               <a:t>本人 </a:t>
+            </a:r>
+            <a:r>
+              <a:rPr lang="en-US" altLang="zh-CN" b="1" dirty="0"/>
+              <a:t>(0 </a:t>
+            </a:r>
+            <a:r>
+              <a:rPr lang="zh-CN" altLang="en-US" b="1"/>
+              <a:t>分）</a:t>
             </a:r>
             <a:endParaRPr lang="en-US" altLang="zh-CN" b="1" dirty="0"/>
           </a:p>
@@ -15597,15 +15642,6 @@
 </file>
 
 <file path=customXml/item1.xml><?xml version="1.0" encoding="utf-8"?>
-<?mso-contentType ?>
-<FormTemplates xmlns="http://schemas.microsoft.com/sharepoint/v3/contenttype/forms">
-  <Display>DocumentLibraryForm</Display>
-  <Edit>DocumentLibraryForm</Edit>
-  <New>DocumentLibraryForm</New>
-</FormTemplates>
-</file>
-
-<file path=customXml/item2.xml><?xml version="1.0" encoding="utf-8"?>
 <ct:contentTypeSchema xmlns:ct="http://schemas.microsoft.com/office/2006/metadata/contentType" xmlns:ma="http://schemas.microsoft.com/office/2006/metadata/properties/metaAttributes" ct:_="" ma:_="" ma:contentTypeName="Document" ma:contentTypeID="0x0101006371182FA640024E8A2815D490E1EF25" ma:contentTypeVersion="0" ma:contentTypeDescription="Create a new document." ma:contentTypeScope="" ma:versionID="3591aab47f172a2900f307f59d422227">
   <xsd:schema xmlns:xsd="http://www.w3.org/2001/XMLSchema" xmlns:xs="http://www.w3.org/2001/XMLSchema" xmlns:p="http://schemas.microsoft.com/office/2006/metadata/properties" targetNamespace="http://schemas.microsoft.com/office/2006/metadata/properties" ma:root="true" ma:fieldsID="1f28ea01430cdfb20a10736313f817e3">
     <xsd:element name="properties">
@@ -15719,21 +15755,22 @@
 </ct:contentTypeSchema>
 </file>
 
-<file path=customXml/item3.xml><?xml version="1.0" encoding="utf-8"?>
+<file path=customXml/item2.xml><?xml version="1.0" encoding="utf-8"?>
 <p:properties xmlns:p="http://schemas.microsoft.com/office/2006/metadata/properties" xmlns:xsi="http://www.w3.org/2001/XMLSchema-instance" xmlns:pc="http://schemas.microsoft.com/office/infopath/2007/PartnerControls">
   <documentManagement/>
 </p:properties>
 </file>
 
-<file path=customXml/itemProps1.xml><?xml version="1.0" encoding="utf-8"?>
-<ds:datastoreItem xmlns:ds="http://schemas.openxmlformats.org/officeDocument/2006/customXml" ds:itemID="{B59B624C-3232-4AA7-B231-042BE14D924C}">
-  <ds:schemaRefs>
-    <ds:schemaRef ds:uri="http://schemas.microsoft.com/sharepoint/v3/contenttype/forms"/>
-  </ds:schemaRefs>
-</ds:datastoreItem>
+<file path=customXml/item3.xml><?xml version="1.0" encoding="utf-8"?>
+<?mso-contentType ?>
+<FormTemplates xmlns="http://schemas.microsoft.com/sharepoint/v3/contenttype/forms">
+  <Display>DocumentLibraryForm</Display>
+  <Edit>DocumentLibraryForm</Edit>
+  <New>DocumentLibraryForm</New>
+</FormTemplates>
 </file>
 
-<file path=customXml/itemProps2.xml><?xml version="1.0" encoding="utf-8"?>
+<file path=customXml/itemProps1.xml><?xml version="1.0" encoding="utf-8"?>
 <ds:datastoreItem xmlns:ds="http://schemas.openxmlformats.org/officeDocument/2006/customXml" ds:itemID="{0FBAD3CE-F083-4C4D-9639-2A686804FC72}">
   <ds:schemaRefs>
     <ds:schemaRef ds:uri="http://schemas.microsoft.com/office/2006/metadata/contentType"/>
@@ -15749,11 +15786,19 @@
 </ds:datastoreItem>
 </file>
 
-<file path=customXml/itemProps3.xml><?xml version="1.0" encoding="utf-8"?>
+<file path=customXml/itemProps2.xml><?xml version="1.0" encoding="utf-8"?>
 <ds:datastoreItem xmlns:ds="http://schemas.openxmlformats.org/officeDocument/2006/customXml" ds:itemID="{5C132C8A-B094-42C9-8FEB-6C14EB442EF6}">
   <ds:schemaRefs>
     <ds:schemaRef ds:uri="http://schemas.microsoft.com/office/2006/metadata/properties"/>
     <ds:schemaRef ds:uri="http://schemas.microsoft.com/office/infopath/2007/PartnerControls"/>
   </ds:schemaRefs>
 </ds:datastoreItem>
+</file>
+
+<file path=customXml/itemProps3.xml><?xml version="1.0" encoding="utf-8"?>
+<ds:datastoreItem xmlns:ds="http://schemas.openxmlformats.org/officeDocument/2006/customXml" ds:itemID="{B59B624C-3232-4AA7-B231-042BE14D924C}">
+  <ds:schemaRefs>
+    <ds:schemaRef ds:uri="http://schemas.microsoft.com/sharepoint/v3/contenttype/forms"/>
+  </ds:schemaRefs>
+</ds:datastoreItem>
 </file>